--- a/make_presentation/templates/templates/classic/_3.pptx
+++ b/make_presentation/templates/templates/classic/_3.pptx
@@ -294,7 +294,7 @@
             <a:pPr algn="r">
               <a:buNone/>
             </a:pPr>
-            <a:fld id="{3124B57A-ADFF-45CE-9E41-3BE21E574A1E}" type="slidenum">
+            <a:fld id="{E471B32B-3E4B-4F02-A220-EF28AD3581F3}" type="slidenum">
               <a:rPr b="0" lang="en-US" sz="1400" spc="-1" strike="noStrike">
                 <a:latin typeface="Times New Roman"/>
               </a:rPr>
@@ -342,7 +342,7 @@
         <p:spPr>
           <a:xfrm>
             <a:off x="380880" y="685800"/>
-            <a:ext cx="6093000" cy="3426120"/>
+            <a:ext cx="6092640" cy="3425760"/>
           </a:xfrm>
           <a:prstGeom prst="rect">
             <a:avLst/>
@@ -365,7 +365,7 @@
         <p:spPr>
           <a:xfrm>
             <a:off x="685800" y="4343400"/>
-            <a:ext cx="5483520" cy="4111920"/>
+            <a:ext cx="5483160" cy="4111560"/>
           </a:xfrm>
           <a:prstGeom prst="rect">
             <a:avLst/>
@@ -399,7 +399,7 @@
         <p:spPr>
           <a:xfrm>
             <a:off x="3884760" y="8685360"/>
-            <a:ext cx="2968920" cy="454320"/>
+            <a:ext cx="2968560" cy="453960"/>
           </a:xfrm>
           <a:prstGeom prst="rect">
             <a:avLst/>
@@ -435,7 +435,7 @@
               </a:lnSpc>
               <a:buNone/>
             </a:pPr>
-            <a:fld id="{ABDE8C55-9EF7-483F-8F73-18B021F947DE}" type="slidenum">
+            <a:fld id="{0212AC18-E3AC-4920-9960-ADE20306EE1C}" type="slidenum">
               <a:rPr b="0" lang="en-US" sz="1200" spc="-1" strike="noStrike">
                 <a:solidFill>
                   <a:srgbClr val="000000"/>
@@ -486,7 +486,7 @@
         <p:spPr>
           <a:xfrm>
             <a:off x="380880" y="685800"/>
-            <a:ext cx="6093000" cy="3426120"/>
+            <a:ext cx="6092640" cy="3425760"/>
           </a:xfrm>
           <a:prstGeom prst="rect">
             <a:avLst/>
@@ -509,7 +509,7 @@
         <p:spPr>
           <a:xfrm>
             <a:off x="685800" y="4343400"/>
-            <a:ext cx="5483520" cy="4111920"/>
+            <a:ext cx="5483160" cy="4111560"/>
           </a:xfrm>
           <a:prstGeom prst="rect">
             <a:avLst/>
@@ -543,7 +543,7 @@
         <p:spPr>
           <a:xfrm>
             <a:off x="3884760" y="8685360"/>
-            <a:ext cx="2968920" cy="454320"/>
+            <a:ext cx="2968560" cy="453960"/>
           </a:xfrm>
           <a:prstGeom prst="rect">
             <a:avLst/>
@@ -579,7 +579,7 @@
               </a:lnSpc>
               <a:buNone/>
             </a:pPr>
-            <a:fld id="{C075FA24-0A46-48FA-8AB1-9DC83D348F50}" type="slidenum">
+            <a:fld id="{92FBEE61-4AA9-48A6-B63D-AE40B30E118B}" type="slidenum">
               <a:rPr b="0" lang="en-US" sz="1200" spc="-1" strike="noStrike">
                 <a:solidFill>
                   <a:srgbClr val="000000"/>
@@ -630,7 +630,7 @@
         <p:spPr>
           <a:xfrm>
             <a:off x="380880" y="685800"/>
-            <a:ext cx="6093000" cy="3426120"/>
+            <a:ext cx="6092640" cy="3425760"/>
           </a:xfrm>
           <a:prstGeom prst="rect">
             <a:avLst/>
@@ -653,7 +653,7 @@
         <p:spPr>
           <a:xfrm>
             <a:off x="685800" y="4343400"/>
-            <a:ext cx="5483520" cy="4111920"/>
+            <a:ext cx="5483160" cy="4111560"/>
           </a:xfrm>
           <a:prstGeom prst="rect">
             <a:avLst/>
@@ -687,7 +687,7 @@
         <p:spPr>
           <a:xfrm>
             <a:off x="3884760" y="8685360"/>
-            <a:ext cx="2968920" cy="454320"/>
+            <a:ext cx="2968560" cy="453960"/>
           </a:xfrm>
           <a:prstGeom prst="rect">
             <a:avLst/>
@@ -723,7 +723,7 @@
               </a:lnSpc>
               <a:buNone/>
             </a:pPr>
-            <a:fld id="{FAFE06E9-936A-4325-ADD0-B6BA32216840}" type="slidenum">
+            <a:fld id="{99530D47-0190-4503-87B6-B93EB757D18F}" type="slidenum">
               <a:rPr b="0" lang="en-US" sz="1200" spc="-1" strike="noStrike">
                 <a:solidFill>
                   <a:srgbClr val="000000"/>
@@ -795,7 +795,7 @@
         <p:txBody>
           <a:bodyPr/>
           <a:p>
-            <a:fld id="{4B849773-CF77-400B-9651-DA78A01FD01A}" type="slidenum">
+            <a:fld id="{99D96269-9EB0-405D-910B-D69BB7943A31}" type="slidenum">
               <a:t>&lt;#&gt;</a:t>
             </a:fld>
           </a:p>
@@ -983,7 +983,7 @@
         <p:txBody>
           <a:bodyPr/>
           <a:p>
-            <a:fld id="{A9BA5BE3-127E-46D6-A255-958AD0FA4B6E}" type="slidenum">
+            <a:fld id="{3B7DA26C-62E1-4F31-85D7-E3D4094EF20D}" type="slidenum">
               <a:t>&lt;#&gt;</a:t>
             </a:fld>
           </a:p>
@@ -1239,7 +1239,7 @@
         <p:txBody>
           <a:bodyPr/>
           <a:p>
-            <a:fld id="{D2D62C31-BF2E-417E-8D52-40277E81DDA9}" type="slidenum">
+            <a:fld id="{7CF96D7F-D7BC-4C8E-9350-D6093E85588D}" type="slidenum">
               <a:t>&lt;#&gt;</a:t>
             </a:fld>
           </a:p>
@@ -1563,7 +1563,7 @@
         <p:txBody>
           <a:bodyPr/>
           <a:p>
-            <a:fld id="{6BAE59A5-89F4-4045-9566-5343DDB72EE3}" type="slidenum">
+            <a:fld id="{56798E3C-BABC-4B02-9AF6-D874B343B394}" type="slidenum">
               <a:t>&lt;#&gt;</a:t>
             </a:fld>
           </a:p>
@@ -1720,7 +1720,7 @@
         <p:txBody>
           <a:bodyPr/>
           <a:p>
-            <a:fld id="{E4C5C2E9-8127-4FD4-828A-1E4C99C9E739}" type="slidenum">
+            <a:fld id="{0EA35E9B-FB3F-4155-8DEA-B491482557F7}" type="slidenum">
               <a:t>&lt;#&gt;</a:t>
             </a:fld>
           </a:p>
@@ -1874,7 +1874,7 @@
         <p:txBody>
           <a:bodyPr/>
           <a:p>
-            <a:fld id="{379A22F3-CF2E-44A0-B3E2-855C18ED538F}" type="slidenum">
+            <a:fld id="{90F0DD85-AF02-47B5-BD5B-007A309125A4}" type="slidenum">
               <a:t>&lt;#&gt;</a:t>
             </a:fld>
           </a:p>
@@ -2062,7 +2062,7 @@
         <p:txBody>
           <a:bodyPr/>
           <a:p>
-            <a:fld id="{A708B7A2-DC24-4EF9-ABE8-6F62DFE7787D}" type="slidenum">
+            <a:fld id="{CDB9DF58-8267-448A-B53E-4924FBF01839}" type="slidenum">
               <a:t>&lt;#&gt;</a:t>
             </a:fld>
           </a:p>
@@ -2182,7 +2182,7 @@
         <p:txBody>
           <a:bodyPr/>
           <a:p>
-            <a:fld id="{E71AF998-2367-47AF-849B-FE73FC0FA462}" type="slidenum">
+            <a:fld id="{92286942-7FC2-46FD-8ED0-2FA51004291C}" type="slidenum">
               <a:t>&lt;#&gt;</a:t>
             </a:fld>
           </a:p>
@@ -2302,7 +2302,7 @@
         <p:txBody>
           <a:bodyPr/>
           <a:p>
-            <a:fld id="{B4B78492-3547-4376-AB98-B28EB25705DD}" type="slidenum">
+            <a:fld id="{E58EE035-4D64-4E59-BBA6-1D2B1DBFAEF3}" type="slidenum">
               <a:t>&lt;#&gt;</a:t>
             </a:fld>
           </a:p>
@@ -2524,7 +2524,7 @@
         <p:txBody>
           <a:bodyPr/>
           <a:p>
-            <a:fld id="{7913C358-5FA8-4497-9731-9C44A7E24D22}" type="slidenum">
+            <a:fld id="{1FA3A86C-29DB-48CB-BF02-D3688CA3DF5F}" type="slidenum">
               <a:t>&lt;#&gt;</a:t>
             </a:fld>
           </a:p>
@@ -2746,7 +2746,7 @@
         <p:txBody>
           <a:bodyPr/>
           <a:p>
-            <a:fld id="{3C8BF62A-7239-428D-B949-6AAF59325E9E}" type="slidenum">
+            <a:fld id="{3B04D92A-9C15-4179-921C-75229683B119}" type="slidenum">
               <a:t>&lt;#&gt;</a:t>
             </a:fld>
           </a:p>
@@ -2968,7 +2968,7 @@
         <p:txBody>
           <a:bodyPr/>
           <a:p>
-            <a:fld id="{6B9B71C3-A826-43B4-A7F6-66918134CB04}" type="slidenum">
+            <a:fld id="{E5905F21-D890-476D-B359-3E0C05508B50}" type="slidenum">
               <a:t>&lt;#&gt;</a:t>
             </a:fld>
           </a:p>
@@ -3037,7 +3037,7 @@
         <p:spPr>
           <a:xfrm>
             <a:off x="3028680" y="4771440"/>
-            <a:ext cx="3083760" cy="271800"/>
+            <a:ext cx="3083400" cy="271440"/>
           </a:xfrm>
           <a:prstGeom prst="rect">
             <a:avLst/>
@@ -3102,7 +3102,7 @@
         <p:spPr>
           <a:xfrm>
             <a:off x="6457680" y="4771440"/>
-            <a:ext cx="2055240" cy="271800"/>
+            <a:ext cx="2054880" cy="271440"/>
           </a:xfrm>
           <a:prstGeom prst="rect">
             <a:avLst/>
@@ -3138,7 +3138,7 @@
               </a:lnSpc>
               <a:buNone/>
             </a:pPr>
-            <a:fld id="{19E23710-7D94-4CF8-BD57-F8A8858F3BDD}" type="slidenum">
+            <a:fld id="{0F40ECF4-DDA1-4246-A4FC-C164C04EDECC}" type="slidenum">
               <a:rPr b="0" lang="en-US" sz="1200" spc="-1" strike="noStrike">
                 <a:solidFill>
                   <a:srgbClr val="8b8b8b"/>
@@ -3167,7 +3167,7 @@
         <p:spPr>
           <a:xfrm>
             <a:off x="628200" y="4771440"/>
-            <a:ext cx="2055240" cy="271800"/>
+            <a:ext cx="2054880" cy="271440"/>
           </a:xfrm>
           <a:prstGeom prst="rect">
             <a:avLst/>
@@ -3479,8 +3479,8 @@
         </p:nvSpPr>
         <p:spPr>
           <a:xfrm rot="2744400">
-            <a:off x="-282600" y="-25920"/>
-            <a:ext cx="705960" cy="705600"/>
+            <a:off x="-282240" y="-25920"/>
+            <a:ext cx="705600" cy="705240"/>
           </a:xfrm>
           <a:prstGeom prst="roundRect">
             <a:avLst>
@@ -3517,8 +3517,8 @@
         </p:nvSpPr>
         <p:spPr>
           <a:xfrm rot="2625600">
-            <a:off x="6024960" y="4334040"/>
-            <a:ext cx="469800" cy="469800"/>
+            <a:off x="6024960" y="4333680"/>
+            <a:ext cx="469440" cy="469440"/>
           </a:xfrm>
           <a:prstGeom prst="roundRect">
             <a:avLst>
@@ -3556,7 +3556,7 @@
         <p:spPr>
           <a:xfrm rot="18679200">
             <a:off x="7004880" y="948600"/>
-            <a:ext cx="4941360" cy="4667760"/>
+            <a:ext cx="4941000" cy="4667400"/>
           </a:xfrm>
           <a:prstGeom prst="roundRect">
             <a:avLst>
@@ -3594,7 +3594,7 @@
         <p:spPr>
           <a:xfrm>
             <a:off x="459720" y="4671360"/>
-            <a:ext cx="2997000" cy="267840"/>
+            <a:ext cx="2996640" cy="267480"/>
           </a:xfrm>
           <a:prstGeom prst="rect">
             <a:avLst/>
@@ -3659,8 +3659,8 @@
         </p:blipFill>
         <p:spPr>
           <a:xfrm>
-            <a:off x="2423160" y="4671720"/>
-            <a:ext cx="289440" cy="289440"/>
+            <a:off x="2971800" y="4740120"/>
+            <a:ext cx="289080" cy="289080"/>
           </a:xfrm>
           <a:prstGeom prst="rect">
             <a:avLst/>
@@ -3679,7 +3679,7 @@
         <p:spPr>
           <a:xfrm>
             <a:off x="484920" y="1681560"/>
-            <a:ext cx="5482440" cy="1883880"/>
+            <a:ext cx="5482080" cy="1883520"/>
           </a:xfrm>
           <a:prstGeom prst="rect">
             <a:avLst/>
@@ -3761,7 +3761,7 @@
         <p:spPr>
           <a:xfrm>
             <a:off x="586440" y="1246680"/>
-            <a:ext cx="4005720" cy="3601440"/>
+            <a:ext cx="4005360" cy="3601080"/>
           </a:xfrm>
           <a:prstGeom prst="rect">
             <a:avLst/>
@@ -3813,7 +3813,7 @@
         <p:spPr>
           <a:xfrm>
             <a:off x="559800" y="446040"/>
-            <a:ext cx="4285080" cy="685080"/>
+            <a:ext cx="4284720" cy="684720"/>
           </a:xfrm>
           <a:prstGeom prst="rect">
             <a:avLst/>
@@ -3865,7 +3865,7 @@
         <p:spPr>
           <a:xfrm>
             <a:off x="5097600" y="360"/>
-            <a:ext cx="4381200" cy="5145480"/>
+            <a:ext cx="4380840" cy="5145120"/>
           </a:xfrm>
           <a:prstGeom prst="roundRect">
             <a:avLst>
@@ -3930,8 +3930,8 @@
         </p:nvSpPr>
         <p:spPr>
           <a:xfrm rot="2744400">
-            <a:off x="-282600" y="-25920"/>
-            <a:ext cx="705960" cy="705600"/>
+            <a:off x="-282240" y="-25920"/>
+            <a:ext cx="705600" cy="705240"/>
           </a:xfrm>
           <a:prstGeom prst="roundRect">
             <a:avLst>
@@ -3968,8 +3968,8 @@
         </p:nvSpPr>
         <p:spPr>
           <a:xfrm rot="2625600">
-            <a:off x="4861080" y="4147920"/>
-            <a:ext cx="469800" cy="469800"/>
+            <a:off x="4861080" y="4147560"/>
+            <a:ext cx="469440" cy="469440"/>
           </a:xfrm>
           <a:prstGeom prst="roundRect">
             <a:avLst>
@@ -4043,8 +4043,8 @@
         </p:nvSpPr>
         <p:spPr>
           <a:xfrm rot="2744400">
-            <a:off x="-282600" y="-25920"/>
-            <a:ext cx="705960" cy="705600"/>
+            <a:off x="-282240" y="-25920"/>
+            <a:ext cx="705600" cy="705240"/>
           </a:xfrm>
           <a:prstGeom prst="roundRect">
             <a:avLst>
@@ -4082,7 +4082,7 @@
         <p:spPr>
           <a:xfrm>
             <a:off x="569160" y="1888920"/>
-            <a:ext cx="4822560" cy="820800"/>
+            <a:ext cx="4822200" cy="820800"/>
           </a:xfrm>
           <a:prstGeom prst="rect">
             <a:avLst/>
@@ -4134,7 +4134,7 @@
         <p:spPr>
           <a:xfrm rot="18679800">
             <a:off x="6783120" y="457560"/>
-            <a:ext cx="6252120" cy="4667760"/>
+            <a:ext cx="6251760" cy="4667400"/>
           </a:xfrm>
           <a:prstGeom prst="roundRect">
             <a:avLst>
@@ -4171,8 +4171,8 @@
         </p:nvSpPr>
         <p:spPr>
           <a:xfrm rot="2625600">
-            <a:off x="6024960" y="4334040"/>
-            <a:ext cx="469800" cy="469800"/>
+            <a:off x="6024960" y="4333680"/>
+            <a:ext cx="469440" cy="469440"/>
           </a:xfrm>
           <a:prstGeom prst="roundRect">
             <a:avLst>
@@ -4210,7 +4210,7 @@
         <p:spPr>
           <a:xfrm>
             <a:off x="1640880" y="4592880"/>
-            <a:ext cx="2997000" cy="267840"/>
+            <a:ext cx="2996640" cy="267480"/>
           </a:xfrm>
           <a:prstGeom prst="rect">
             <a:avLst/>
@@ -4272,7 +4272,7 @@
         <p:spPr>
           <a:xfrm>
             <a:off x="867240" y="3590280"/>
-            <a:ext cx="254880" cy="255240"/>
+            <a:ext cx="254520" cy="254880"/>
           </a:xfrm>
           <a:prstGeom prst="ellipse">
             <a:avLst/>
@@ -4307,7 +4307,7 @@
         <p:spPr>
           <a:xfrm>
             <a:off x="351000" y="3793320"/>
-            <a:ext cx="1287360" cy="1132920"/>
+            <a:ext cx="1287000" cy="1132560"/>
           </a:xfrm>
           <a:prstGeom prst="rect">
             <a:avLst/>
